--- a/API/PPT/AuthenticationUsingJWT.pptx
+++ b/API/PPT/AuthenticationUsingJWT.pptx
@@ -226,7 +226,7 @@
             <a:fld id="{1DD5F747-CBD4-481C-9122-2B2864730950}" type="datetimeFigureOut">
               <a:rPr lang="en-US" smtClean="0"/>
               <a:pPr/>
-              <a:t>7/5/2023</a:t>
+              <a:t>4/17/2024</a:t>
             </a:fld>
             <a:endParaRPr lang="en-US"/>
           </a:p>
@@ -397,7 +397,7 @@
             <a:fld id="{7F00FF7B-209F-45C5-B72F-CCFE0E145990}" type="datetimeFigureOut">
               <a:rPr lang="en-US" smtClean="0"/>
               <a:pPr/>
-              <a:t>7/5/2023</a:t>
+              <a:t>4/17/2024</a:t>
             </a:fld>
             <a:endParaRPr lang="en-US"/>
           </a:p>
@@ -1922,7 +1922,7 @@
             <a:fld id="{1D8BD707-D9CF-40AE-B4C6-C98DA3205C09}" type="datetimeFigureOut">
               <a:rPr lang="en-US" smtClean="0"/>
               <a:pPr/>
-              <a:t>7/5/2023</a:t>
+              <a:t>4/17/2024</a:t>
             </a:fld>
             <a:endParaRPr lang="en-US"/>
           </a:p>
@@ -2114,7 +2114,7 @@
             <a:fld id="{1D8BD707-D9CF-40AE-B4C6-C98DA3205C09}" type="datetimeFigureOut">
               <a:rPr lang="en-US" smtClean="0"/>
               <a:pPr/>
-              <a:t>7/5/2023</a:t>
+              <a:t>4/17/2024</a:t>
             </a:fld>
             <a:endParaRPr lang="en-US"/>
           </a:p>
@@ -2300,7 +2300,7 @@
             <a:fld id="{1D8BD707-D9CF-40AE-B4C6-C98DA3205C09}" type="datetimeFigureOut">
               <a:rPr lang="en-US" smtClean="0"/>
               <a:pPr/>
-              <a:t>7/5/2023</a:t>
+              <a:t>4/17/2024</a:t>
             </a:fld>
             <a:endParaRPr lang="en-US"/>
           </a:p>
@@ -2564,7 +2564,7 @@
             <a:fld id="{1D8BD707-D9CF-40AE-B4C6-C98DA3205C09}" type="datetimeFigureOut">
               <a:rPr lang="en-US" smtClean="0"/>
               <a:pPr/>
-              <a:t>7/5/2023</a:t>
+              <a:t>4/17/2024</a:t>
             </a:fld>
             <a:endParaRPr lang="en-US"/>
           </a:p>
@@ -2981,7 +2981,7 @@
             <a:fld id="{1D8BD707-D9CF-40AE-B4C6-C98DA3205C09}" type="datetimeFigureOut">
               <a:rPr lang="en-US" smtClean="0"/>
               <a:pPr/>
-              <a:t>7/5/2023</a:t>
+              <a:t>4/17/2024</a:t>
             </a:fld>
             <a:endParaRPr lang="en-US"/>
           </a:p>
@@ -3224,7 +3224,7 @@
             <a:fld id="{1D8BD707-D9CF-40AE-B4C6-C98DA3205C09}" type="datetimeFigureOut">
               <a:rPr lang="en-US" smtClean="0"/>
               <a:pPr/>
-              <a:t>7/5/2023</a:t>
+              <a:t>4/17/2024</a:t>
             </a:fld>
             <a:endParaRPr lang="en-US"/>
           </a:p>
@@ -3461,7 +3461,7 @@
             <a:fld id="{1D8BD707-D9CF-40AE-B4C6-C98DA3205C09}" type="datetimeFigureOut">
               <a:rPr lang="en-US" smtClean="0"/>
               <a:pPr/>
-              <a:t>7/5/2023</a:t>
+              <a:t>4/17/2024</a:t>
             </a:fld>
             <a:endParaRPr lang="en-US"/>
           </a:p>
@@ -3657,7 +3657,7 @@
             <a:fld id="{1D8BD707-D9CF-40AE-B4C6-C98DA3205C09}" type="datetimeFigureOut">
               <a:rPr lang="en-US" smtClean="0"/>
               <a:pPr/>
-              <a:t>7/5/2023</a:t>
+              <a:t>4/17/2024</a:t>
             </a:fld>
             <a:endParaRPr lang="en-US"/>
           </a:p>
@@ -3757,7 +3757,7 @@
             <a:fld id="{1D8BD707-D9CF-40AE-B4C6-C98DA3205C09}" type="datetimeFigureOut">
               <a:rPr lang="en-US" smtClean="0"/>
               <a:pPr/>
-              <a:t>7/5/2023</a:t>
+              <a:t>4/17/2024</a:t>
             </a:fld>
             <a:endParaRPr lang="en-US"/>
           </a:p>
@@ -3894,7 +3894,7 @@
             <a:fld id="{1D8BD707-D9CF-40AE-B4C6-C98DA3205C09}" type="datetimeFigureOut">
               <a:rPr lang="en-US" smtClean="0"/>
               <a:pPr/>
-              <a:t>7/5/2023</a:t>
+              <a:t>4/17/2024</a:t>
             </a:fld>
             <a:endParaRPr lang="en-US"/>
           </a:p>
@@ -4413,7 +4413,7 @@
             <a:fld id="{1D8BD707-D9CF-40AE-B4C6-C98DA3205C09}" type="datetimeFigureOut">
               <a:rPr lang="en-US" smtClean="0"/>
               <a:pPr/>
-              <a:t>7/5/2023</a:t>
+              <a:t>4/17/2024</a:t>
             </a:fld>
             <a:endParaRPr lang="en-US"/>
           </a:p>
@@ -4674,7 +4674,7 @@
             <a:fld id="{1D8BD707-D9CF-40AE-B4C6-C98DA3205C09}" type="datetimeFigureOut">
               <a:rPr lang="en-US" smtClean="0"/>
               <a:pPr/>
-              <a:t>7/5/2023</a:t>
+              <a:t>4/17/2024</a:t>
             </a:fld>
             <a:endParaRPr lang="en-US"/>
           </a:p>
@@ -5882,7 +5882,7 @@
         </p:blipFill>
         <p:spPr bwMode="auto">
           <a:xfrm>
-            <a:off x="760888" y="2209800"/>
+            <a:off x="761444" y="2209800"/>
             <a:ext cx="7621112" cy="1981200"/>
           </a:xfrm>
           <a:prstGeom prst="rect">
